--- a/docs/conf-docs.pptx
+++ b/docs/conf-docs.pptx
@@ -309,7 +309,7 @@
           <a:p>
             <a:fld id="{9A7630AD-772F-4243-A844-061A07CC7D79}" type="datetimeFigureOut">
               <a:rPr lang="ko-KR" altLang="en-US" smtClean="0"/>
-              <a:t>2022-02-05</a:t>
+              <a:t>2022-02-13</a:t>
             </a:fld>
             <a:endParaRPr lang="ko-KR" altLang="en-US"/>
           </a:p>
@@ -479,7 +479,7 @@
           <a:p>
             <a:fld id="{9A7630AD-772F-4243-A844-061A07CC7D79}" type="datetimeFigureOut">
               <a:rPr lang="ko-KR" altLang="en-US" smtClean="0"/>
-              <a:t>2022-02-05</a:t>
+              <a:t>2022-02-13</a:t>
             </a:fld>
             <a:endParaRPr lang="ko-KR" altLang="en-US"/>
           </a:p>
@@ -659,7 +659,7 @@
           <a:p>
             <a:fld id="{9A7630AD-772F-4243-A844-061A07CC7D79}" type="datetimeFigureOut">
               <a:rPr lang="ko-KR" altLang="en-US" smtClean="0"/>
-              <a:t>2022-02-05</a:t>
+              <a:t>2022-02-13</a:t>
             </a:fld>
             <a:endParaRPr lang="ko-KR" altLang="en-US"/>
           </a:p>
@@ -829,7 +829,7 @@
           <a:p>
             <a:fld id="{9A7630AD-772F-4243-A844-061A07CC7D79}" type="datetimeFigureOut">
               <a:rPr lang="ko-KR" altLang="en-US" smtClean="0"/>
-              <a:t>2022-02-05</a:t>
+              <a:t>2022-02-13</a:t>
             </a:fld>
             <a:endParaRPr lang="ko-KR" altLang="en-US"/>
           </a:p>
@@ -1075,7 +1075,7 @@
           <a:p>
             <a:fld id="{9A7630AD-772F-4243-A844-061A07CC7D79}" type="datetimeFigureOut">
               <a:rPr lang="ko-KR" altLang="en-US" smtClean="0"/>
-              <a:t>2022-02-05</a:t>
+              <a:t>2022-02-13</a:t>
             </a:fld>
             <a:endParaRPr lang="ko-KR" altLang="en-US"/>
           </a:p>
@@ -1363,7 +1363,7 @@
           <a:p>
             <a:fld id="{9A7630AD-772F-4243-A844-061A07CC7D79}" type="datetimeFigureOut">
               <a:rPr lang="ko-KR" altLang="en-US" smtClean="0"/>
-              <a:t>2022-02-05</a:t>
+              <a:t>2022-02-13</a:t>
             </a:fld>
             <a:endParaRPr lang="ko-KR" altLang="en-US"/>
           </a:p>
@@ -1785,7 +1785,7 @@
           <a:p>
             <a:fld id="{9A7630AD-772F-4243-A844-061A07CC7D79}" type="datetimeFigureOut">
               <a:rPr lang="ko-KR" altLang="en-US" smtClean="0"/>
-              <a:t>2022-02-05</a:t>
+              <a:t>2022-02-13</a:t>
             </a:fld>
             <a:endParaRPr lang="ko-KR" altLang="en-US"/>
           </a:p>
@@ -1903,7 +1903,7 @@
           <a:p>
             <a:fld id="{9A7630AD-772F-4243-A844-061A07CC7D79}" type="datetimeFigureOut">
               <a:rPr lang="ko-KR" altLang="en-US" smtClean="0"/>
-              <a:t>2022-02-05</a:t>
+              <a:t>2022-02-13</a:t>
             </a:fld>
             <a:endParaRPr lang="ko-KR" altLang="en-US"/>
           </a:p>
@@ -1998,7 +1998,7 @@
           <a:p>
             <a:fld id="{9A7630AD-772F-4243-A844-061A07CC7D79}" type="datetimeFigureOut">
               <a:rPr lang="ko-KR" altLang="en-US" smtClean="0"/>
-              <a:t>2022-02-05</a:t>
+              <a:t>2022-02-13</a:t>
             </a:fld>
             <a:endParaRPr lang="ko-KR" altLang="en-US"/>
           </a:p>
@@ -2275,7 +2275,7 @@
           <a:p>
             <a:fld id="{9A7630AD-772F-4243-A844-061A07CC7D79}" type="datetimeFigureOut">
               <a:rPr lang="ko-KR" altLang="en-US" smtClean="0"/>
-              <a:t>2022-02-05</a:t>
+              <a:t>2022-02-13</a:t>
             </a:fld>
             <a:endParaRPr lang="ko-KR" altLang="en-US"/>
           </a:p>
@@ -2528,7 +2528,7 @@
           <a:p>
             <a:fld id="{9A7630AD-772F-4243-A844-061A07CC7D79}" type="datetimeFigureOut">
               <a:rPr lang="ko-KR" altLang="en-US" smtClean="0"/>
-              <a:t>2022-02-05</a:t>
+              <a:t>2022-02-13</a:t>
             </a:fld>
             <a:endParaRPr lang="ko-KR" altLang="en-US"/>
           </a:p>
@@ -2741,7 +2741,7 @@
           <a:p>
             <a:fld id="{9A7630AD-772F-4243-A844-061A07CC7D79}" type="datetimeFigureOut">
               <a:rPr lang="ko-KR" altLang="en-US" smtClean="0"/>
-              <a:t>2022-02-05</a:t>
+              <a:t>2022-02-13</a:t>
             </a:fld>
             <a:endParaRPr lang="ko-KR" altLang="en-US"/>
           </a:p>
@@ -3732,7 +3732,7 @@
         <p:spPr>
           <a:xfrm>
             <a:off x="467544" y="1772816"/>
-            <a:ext cx="7776864" cy="3416320"/>
+            <a:ext cx="7776864" cy="3970318"/>
           </a:xfrm>
           <a:prstGeom prst="rect">
             <a:avLst/>
@@ -3890,26 +3890,67 @@
             </a:r>
           </a:p>
           <a:p>
+            <a:pPr marL="285750" indent="-285750">
+              <a:buFont typeface="Wingdings"/>
+              <a:buChar char="Ø"/>
+            </a:pPr>
+            <a:r>
+              <a:rPr lang="en-US" altLang="ko-KR" b="1" dirty="0" err="1" smtClean="0"/>
+              <a:t>npm</a:t>
+            </a:r>
+            <a:r>
+              <a:rPr lang="en-US" altLang="ko-KR" b="1" dirty="0" smtClean="0"/>
+              <a:t> </a:t>
+            </a:r>
             <a:r>
               <a:rPr lang="en-US" altLang="ko-KR" b="1" dirty="0"/>
-              <a:t>&gt; </a:t>
-            </a:r>
+              <a:t>install @</a:t>
+            </a:r>
+            <a:r>
+              <a:rPr lang="en-US" altLang="ko-KR" b="1" dirty="0" err="1" smtClean="0"/>
+              <a:t>mui</a:t>
+            </a:r>
+            <a:r>
+              <a:rPr lang="en-US" altLang="ko-KR" b="1" dirty="0" smtClean="0"/>
+              <a:t>/icons-material</a:t>
+            </a:r>
+          </a:p>
+          <a:p>
+            <a:pPr marL="285750" indent="-285750">
+              <a:buFont typeface="Wingdings"/>
+              <a:buChar char="Ø"/>
+            </a:pPr>
             <a:r>
               <a:rPr lang="en-US" altLang="ko-KR" b="1" dirty="0" err="1"/>
               <a:t>npm</a:t>
             </a:r>
             <a:r>
-              <a:rPr lang="en-US" altLang="ko-KR" b="1" dirty="0"/>
-              <a:t> install @</a:t>
-            </a:r>
-            <a:r>
-              <a:rPr lang="en-US" altLang="ko-KR" b="1" dirty="0" err="1"/>
-              <a:t>mui</a:t>
-            </a:r>
-            <a:r>
-              <a:rPr lang="en-US" altLang="ko-KR" b="1" dirty="0"/>
-              <a:t>/icons-material</a:t>
-            </a:r>
+              <a:rPr lang="en-US" altLang="ko-KR" b="1"/>
+              <a:t> install </a:t>
+            </a:r>
+            <a:r>
+              <a:rPr lang="en-US" altLang="ko-KR" smtClean="0"/>
+              <a:t>@</a:t>
+            </a:r>
+            <a:r>
+              <a:rPr lang="en-US" altLang="ko-KR" dirty="0"/>
+              <a:t>material-</a:t>
+            </a:r>
+            <a:r>
+              <a:rPr lang="en-US" altLang="ko-KR" dirty="0" err="1"/>
+              <a:t>ui</a:t>
+            </a:r>
+            <a:r>
+              <a:rPr lang="en-US" altLang="ko-KR" dirty="0"/>
+              <a:t>/data-grid</a:t>
+            </a:r>
+          </a:p>
+          <a:p>
+            <a:pPr marL="285750" indent="-285750">
+              <a:buFont typeface="Wingdings"/>
+              <a:buChar char="Ø"/>
+            </a:pPr>
+            <a:endParaRPr lang="en-US" altLang="ko-KR" b="1" dirty="0"/>
           </a:p>
           <a:p>
             <a:endParaRPr lang="en-US" altLang="ko-KR" b="1" dirty="0" smtClean="0"/>
@@ -4037,7 +4078,7 @@
         </p:nvSpPr>
         <p:spPr>
           <a:xfrm>
-            <a:off x="435837" y="3717032"/>
+            <a:off x="251520" y="5229200"/>
             <a:ext cx="7776864" cy="1200329"/>
           </a:xfrm>
           <a:prstGeom prst="rect">
@@ -4237,6 +4278,103 @@
             <a:r>
               <a:rPr lang="ko-KR" altLang="en-US" dirty="0" smtClean="0"/>
               <a:t>유저 정보</a:t>
+            </a:r>
+            <a:endParaRPr lang="ko-KR" altLang="en-US" dirty="0"/>
+          </a:p>
+        </p:txBody>
+      </p:sp>
+      <p:sp>
+        <p:nvSpPr>
+          <p:cNvPr id="6" name="직사각형 5"/>
+          <p:cNvSpPr/>
+          <p:nvPr/>
+        </p:nvSpPr>
+        <p:spPr>
+          <a:xfrm>
+            <a:off x="435837" y="3798039"/>
+            <a:ext cx="4572000" cy="2031325"/>
+          </a:xfrm>
+          <a:prstGeom prst="rect">
+            <a:avLst/>
+          </a:prstGeom>
+        </p:spPr>
+        <p:txBody>
+          <a:bodyPr>
+            <a:spAutoFit/>
+          </a:bodyPr>
+          <a:lstStyle/>
+          <a:p>
+            <a:r>
+              <a:rPr lang="en-US" altLang="ko-KR" dirty="0"/>
+              <a:t>CREATE TABLE `</a:t>
+            </a:r>
+            <a:r>
+              <a:rPr lang="en-US" altLang="ko-KR" dirty="0" err="1"/>
+              <a:t>project`.`board</a:t>
+            </a:r>
+            <a:r>
+              <a:rPr lang="en-US" altLang="ko-KR" dirty="0"/>
+              <a:t>` (  `id` INT NOT NULL AUTO_INCREMENT,  `subject` VARCHAR(45) NOT NULL,  `contents` VARCHAR(5000) NULL,  `</a:t>
+            </a:r>
+            <a:r>
+              <a:rPr lang="en-US" altLang="ko-KR" dirty="0" err="1"/>
+              <a:t>user_id</a:t>
+            </a:r>
+            <a:r>
+              <a:rPr lang="en-US" altLang="ko-KR" dirty="0"/>
+              <a:t>` VARCHAR(45) NOT NULL,  `</a:t>
+            </a:r>
+            <a:r>
+              <a:rPr lang="en-US" altLang="ko-KR" dirty="0" err="1"/>
+              <a:t>creation_timestamp</a:t>
+            </a:r>
+            <a:r>
+              <a:rPr lang="en-US" altLang="ko-KR" dirty="0"/>
+              <a:t>` VARCHAR(45) NULL,  PRIMARY KEY (`id`));</a:t>
+            </a:r>
+            <a:endParaRPr lang="ko-KR" altLang="en-US" dirty="0"/>
+          </a:p>
+        </p:txBody>
+      </p:sp>
+      <p:sp>
+        <p:nvSpPr>
+          <p:cNvPr id="7" name="직사각형 6"/>
+          <p:cNvSpPr/>
+          <p:nvPr/>
+        </p:nvSpPr>
+        <p:spPr>
+          <a:xfrm>
+            <a:off x="443049" y="3456305"/>
+            <a:ext cx="2592288" cy="360040"/>
+          </a:xfrm>
+          <a:prstGeom prst="rect">
+            <a:avLst/>
+          </a:prstGeom>
+        </p:spPr>
+        <p:style>
+          <a:lnRef idx="2">
+            <a:schemeClr val="accent1">
+              <a:shade val="50000"/>
+            </a:schemeClr>
+          </a:lnRef>
+          <a:fillRef idx="1">
+            <a:schemeClr val="accent1"/>
+          </a:fillRef>
+          <a:effectRef idx="0">
+            <a:schemeClr val="accent1"/>
+          </a:effectRef>
+          <a:fontRef idx="minor">
+            <a:schemeClr val="lt1"/>
+          </a:fontRef>
+        </p:style>
+        <p:txBody>
+          <a:bodyPr rtlCol="0" anchor="ctr"/>
+          <a:lstStyle/>
+          <a:p>
+            <a:pPr algn="ctr"/>
+            <a:r>
+              <a:rPr lang="en-US" altLang="ko-KR" smtClean="0"/>
+              <a:t>board</a:t>
             </a:r>
             <a:endParaRPr lang="ko-KR" altLang="en-US" dirty="0"/>
           </a:p>

--- a/docs/conf-docs.pptx
+++ b/docs/conf-docs.pptx
@@ -309,7 +309,7 @@
           <a:p>
             <a:fld id="{9A7630AD-772F-4243-A844-061A07CC7D79}" type="datetimeFigureOut">
               <a:rPr lang="ko-KR" altLang="en-US" smtClean="0"/>
-              <a:t>2022-02-13</a:t>
+              <a:t>2022-02-19</a:t>
             </a:fld>
             <a:endParaRPr lang="ko-KR" altLang="en-US"/>
           </a:p>
@@ -479,7 +479,7 @@
           <a:p>
             <a:fld id="{9A7630AD-772F-4243-A844-061A07CC7D79}" type="datetimeFigureOut">
               <a:rPr lang="ko-KR" altLang="en-US" smtClean="0"/>
-              <a:t>2022-02-13</a:t>
+              <a:t>2022-02-19</a:t>
             </a:fld>
             <a:endParaRPr lang="ko-KR" altLang="en-US"/>
           </a:p>
@@ -659,7 +659,7 @@
           <a:p>
             <a:fld id="{9A7630AD-772F-4243-A844-061A07CC7D79}" type="datetimeFigureOut">
               <a:rPr lang="ko-KR" altLang="en-US" smtClean="0"/>
-              <a:t>2022-02-13</a:t>
+              <a:t>2022-02-19</a:t>
             </a:fld>
             <a:endParaRPr lang="ko-KR" altLang="en-US"/>
           </a:p>
@@ -829,7 +829,7 @@
           <a:p>
             <a:fld id="{9A7630AD-772F-4243-A844-061A07CC7D79}" type="datetimeFigureOut">
               <a:rPr lang="ko-KR" altLang="en-US" smtClean="0"/>
-              <a:t>2022-02-13</a:t>
+              <a:t>2022-02-19</a:t>
             </a:fld>
             <a:endParaRPr lang="ko-KR" altLang="en-US"/>
           </a:p>
@@ -1075,7 +1075,7 @@
           <a:p>
             <a:fld id="{9A7630AD-772F-4243-A844-061A07CC7D79}" type="datetimeFigureOut">
               <a:rPr lang="ko-KR" altLang="en-US" smtClean="0"/>
-              <a:t>2022-02-13</a:t>
+              <a:t>2022-02-19</a:t>
             </a:fld>
             <a:endParaRPr lang="ko-KR" altLang="en-US"/>
           </a:p>
@@ -1363,7 +1363,7 @@
           <a:p>
             <a:fld id="{9A7630AD-772F-4243-A844-061A07CC7D79}" type="datetimeFigureOut">
               <a:rPr lang="ko-KR" altLang="en-US" smtClean="0"/>
-              <a:t>2022-02-13</a:t>
+              <a:t>2022-02-19</a:t>
             </a:fld>
             <a:endParaRPr lang="ko-KR" altLang="en-US"/>
           </a:p>
@@ -1785,7 +1785,7 @@
           <a:p>
             <a:fld id="{9A7630AD-772F-4243-A844-061A07CC7D79}" type="datetimeFigureOut">
               <a:rPr lang="ko-KR" altLang="en-US" smtClean="0"/>
-              <a:t>2022-02-13</a:t>
+              <a:t>2022-02-19</a:t>
             </a:fld>
             <a:endParaRPr lang="ko-KR" altLang="en-US"/>
           </a:p>
@@ -1903,7 +1903,7 @@
           <a:p>
             <a:fld id="{9A7630AD-772F-4243-A844-061A07CC7D79}" type="datetimeFigureOut">
               <a:rPr lang="ko-KR" altLang="en-US" smtClean="0"/>
-              <a:t>2022-02-13</a:t>
+              <a:t>2022-02-19</a:t>
             </a:fld>
             <a:endParaRPr lang="ko-KR" altLang="en-US"/>
           </a:p>
@@ -1998,7 +1998,7 @@
           <a:p>
             <a:fld id="{9A7630AD-772F-4243-A844-061A07CC7D79}" type="datetimeFigureOut">
               <a:rPr lang="ko-KR" altLang="en-US" smtClean="0"/>
-              <a:t>2022-02-13</a:t>
+              <a:t>2022-02-19</a:t>
             </a:fld>
             <a:endParaRPr lang="ko-KR" altLang="en-US"/>
           </a:p>
@@ -2275,7 +2275,7 @@
           <a:p>
             <a:fld id="{9A7630AD-772F-4243-A844-061A07CC7D79}" type="datetimeFigureOut">
               <a:rPr lang="ko-KR" altLang="en-US" smtClean="0"/>
-              <a:t>2022-02-13</a:t>
+              <a:t>2022-02-19</a:t>
             </a:fld>
             <a:endParaRPr lang="ko-KR" altLang="en-US"/>
           </a:p>
@@ -2528,7 +2528,7 @@
           <a:p>
             <a:fld id="{9A7630AD-772F-4243-A844-061A07CC7D79}" type="datetimeFigureOut">
               <a:rPr lang="ko-KR" altLang="en-US" smtClean="0"/>
-              <a:t>2022-02-13</a:t>
+              <a:t>2022-02-19</a:t>
             </a:fld>
             <a:endParaRPr lang="ko-KR" altLang="en-US"/>
           </a:p>
@@ -2741,7 +2741,7 @@
           <a:p>
             <a:fld id="{9A7630AD-772F-4243-A844-061A07CC7D79}" type="datetimeFigureOut">
               <a:rPr lang="ko-KR" altLang="en-US" smtClean="0"/>
-              <a:t>2022-02-13</a:t>
+              <a:t>2022-02-19</a:t>
             </a:fld>
             <a:endParaRPr lang="ko-KR" altLang="en-US"/>
           </a:p>
@@ -3621,6 +3621,10 @@
               <a:rPr lang="en-US" altLang="ko-KR" dirty="0"/>
             </a:br>
             <a:r>
+              <a:rPr lang="en-US" altLang="ko-KR" smtClean="0"/>
+              <a:t>auto import</a:t>
+            </a:r>
+            <a:r>
               <a:rPr lang="en-US" altLang="ko-KR" dirty="0"/>
               <a:t/>
             </a:r>
@@ -3925,11 +3929,11 @@
               <a:t>npm</a:t>
             </a:r>
             <a:r>
-              <a:rPr lang="en-US" altLang="ko-KR" b="1"/>
+              <a:rPr lang="en-US" altLang="ko-KR" b="1" dirty="0"/>
               <a:t> install </a:t>
             </a:r>
             <a:r>
-              <a:rPr lang="en-US" altLang="ko-KR" smtClean="0"/>
+              <a:rPr lang="en-US" altLang="ko-KR" dirty="0" smtClean="0"/>
               <a:t>@</a:t>
             </a:r>
             <a:r>
@@ -3950,6 +3954,30 @@
               <a:buFont typeface="Wingdings"/>
               <a:buChar char="Ø"/>
             </a:pPr>
+            <a:r>
+              <a:rPr lang="en-US" altLang="ko-KR" dirty="0" err="1"/>
+              <a:t>npm</a:t>
+            </a:r>
+            <a:r>
+              <a:rPr lang="en-US" altLang="ko-KR" dirty="0"/>
+              <a:t> i </a:t>
+            </a:r>
+            <a:r>
+              <a:rPr lang="en-US" altLang="ko-KR" dirty="0" err="1"/>
+              <a:t>ag</a:t>
+            </a:r>
+            <a:r>
+              <a:rPr lang="en-US" altLang="ko-KR" dirty="0"/>
+              <a:t>-grid-community </a:t>
+            </a:r>
+            <a:r>
+              <a:rPr lang="en-US" altLang="ko-KR" dirty="0" err="1"/>
+              <a:t>ag</a:t>
+            </a:r>
+            <a:r>
+              <a:rPr lang="en-US" altLang="ko-KR" dirty="0"/>
+              <a:t>-grid-react --save</a:t>
+            </a:r>
             <a:endParaRPr lang="en-US" altLang="ko-KR" b="1" dirty="0"/>
           </a:p>
           <a:p>

--- a/docs/conf-docs.pptx
+++ b/docs/conf-docs.pptx
@@ -27,6 +27,8 @@
     <p:sldId id="275" r:id="rId21"/>
     <p:sldId id="276" r:id="rId22"/>
     <p:sldId id="277" r:id="rId23"/>
+    <p:sldId id="278" r:id="rId24"/>
+    <p:sldId id="279" r:id="rId25"/>
   </p:sldIdLst>
   <p:sldSz cx="9144000" cy="6858000" type="screen4x3"/>
   <p:notesSz cx="6858000" cy="9144000"/>
@@ -309,7 +311,7 @@
           <a:p>
             <a:fld id="{9A7630AD-772F-4243-A844-061A07CC7D79}" type="datetimeFigureOut">
               <a:rPr lang="ko-KR" altLang="en-US" smtClean="0"/>
-              <a:t>2022-02-19</a:t>
+              <a:t>2022-03-02</a:t>
             </a:fld>
             <a:endParaRPr lang="ko-KR" altLang="en-US"/>
           </a:p>
@@ -479,7 +481,7 @@
           <a:p>
             <a:fld id="{9A7630AD-772F-4243-A844-061A07CC7D79}" type="datetimeFigureOut">
               <a:rPr lang="ko-KR" altLang="en-US" smtClean="0"/>
-              <a:t>2022-02-19</a:t>
+              <a:t>2022-03-02</a:t>
             </a:fld>
             <a:endParaRPr lang="ko-KR" altLang="en-US"/>
           </a:p>
@@ -659,7 +661,7 @@
           <a:p>
             <a:fld id="{9A7630AD-772F-4243-A844-061A07CC7D79}" type="datetimeFigureOut">
               <a:rPr lang="ko-KR" altLang="en-US" smtClean="0"/>
-              <a:t>2022-02-19</a:t>
+              <a:t>2022-03-02</a:t>
             </a:fld>
             <a:endParaRPr lang="ko-KR" altLang="en-US"/>
           </a:p>
@@ -829,7 +831,7 @@
           <a:p>
             <a:fld id="{9A7630AD-772F-4243-A844-061A07CC7D79}" type="datetimeFigureOut">
               <a:rPr lang="ko-KR" altLang="en-US" smtClean="0"/>
-              <a:t>2022-02-19</a:t>
+              <a:t>2022-03-02</a:t>
             </a:fld>
             <a:endParaRPr lang="ko-KR" altLang="en-US"/>
           </a:p>
@@ -1075,7 +1077,7 @@
           <a:p>
             <a:fld id="{9A7630AD-772F-4243-A844-061A07CC7D79}" type="datetimeFigureOut">
               <a:rPr lang="ko-KR" altLang="en-US" smtClean="0"/>
-              <a:t>2022-02-19</a:t>
+              <a:t>2022-03-02</a:t>
             </a:fld>
             <a:endParaRPr lang="ko-KR" altLang="en-US"/>
           </a:p>
@@ -1363,7 +1365,7 @@
           <a:p>
             <a:fld id="{9A7630AD-772F-4243-A844-061A07CC7D79}" type="datetimeFigureOut">
               <a:rPr lang="ko-KR" altLang="en-US" smtClean="0"/>
-              <a:t>2022-02-19</a:t>
+              <a:t>2022-03-02</a:t>
             </a:fld>
             <a:endParaRPr lang="ko-KR" altLang="en-US"/>
           </a:p>
@@ -1785,7 +1787,7 @@
           <a:p>
             <a:fld id="{9A7630AD-772F-4243-A844-061A07CC7D79}" type="datetimeFigureOut">
               <a:rPr lang="ko-KR" altLang="en-US" smtClean="0"/>
-              <a:t>2022-02-19</a:t>
+              <a:t>2022-03-02</a:t>
             </a:fld>
             <a:endParaRPr lang="ko-KR" altLang="en-US"/>
           </a:p>
@@ -1903,7 +1905,7 @@
           <a:p>
             <a:fld id="{9A7630AD-772F-4243-A844-061A07CC7D79}" type="datetimeFigureOut">
               <a:rPr lang="ko-KR" altLang="en-US" smtClean="0"/>
-              <a:t>2022-02-19</a:t>
+              <a:t>2022-03-02</a:t>
             </a:fld>
             <a:endParaRPr lang="ko-KR" altLang="en-US"/>
           </a:p>
@@ -1998,7 +2000,7 @@
           <a:p>
             <a:fld id="{9A7630AD-772F-4243-A844-061A07CC7D79}" type="datetimeFigureOut">
               <a:rPr lang="ko-KR" altLang="en-US" smtClean="0"/>
-              <a:t>2022-02-19</a:t>
+              <a:t>2022-03-02</a:t>
             </a:fld>
             <a:endParaRPr lang="ko-KR" altLang="en-US"/>
           </a:p>
@@ -2275,7 +2277,7 @@
           <a:p>
             <a:fld id="{9A7630AD-772F-4243-A844-061A07CC7D79}" type="datetimeFigureOut">
               <a:rPr lang="ko-KR" altLang="en-US" smtClean="0"/>
-              <a:t>2022-02-19</a:t>
+              <a:t>2022-03-02</a:t>
             </a:fld>
             <a:endParaRPr lang="ko-KR" altLang="en-US"/>
           </a:p>
@@ -2528,7 +2530,7 @@
           <a:p>
             <a:fld id="{9A7630AD-772F-4243-A844-061A07CC7D79}" type="datetimeFigureOut">
               <a:rPr lang="ko-KR" altLang="en-US" smtClean="0"/>
-              <a:t>2022-02-19</a:t>
+              <a:t>2022-03-02</a:t>
             </a:fld>
             <a:endParaRPr lang="ko-KR" altLang="en-US"/>
           </a:p>
@@ -2741,7 +2743,7 @@
           <a:p>
             <a:fld id="{9A7630AD-772F-4243-A844-061A07CC7D79}" type="datetimeFigureOut">
               <a:rPr lang="ko-KR" altLang="en-US" smtClean="0"/>
-              <a:t>2022-02-19</a:t>
+              <a:t>2022-03-02</a:t>
             </a:fld>
             <a:endParaRPr lang="ko-KR" altLang="en-US"/>
           </a:p>
@@ -6788,6 +6790,530 @@
     <p:extLst>
       <p:ext uri="{BB962C8B-B14F-4D97-AF65-F5344CB8AC3E}">
         <p14:creationId xmlns:p14="http://schemas.microsoft.com/office/powerpoint/2010/main" val="3500620194"/>
+      </p:ext>
+    </p:extLst>
+  </p:cSld>
+  <p:clrMapOvr>
+    <a:masterClrMapping/>
+  </p:clrMapOvr>
+</p:sld>
+</file>
+
+<file path=ppt/slides/slide23.xml><?xml version="1.0" encoding="utf-8"?>
+<p:sld xmlns:a="http://schemas.openxmlformats.org/drawingml/2006/main" xmlns:r="http://schemas.openxmlformats.org/officeDocument/2006/relationships" xmlns:p="http://schemas.openxmlformats.org/presentationml/2006/main">
+  <p:cSld>
+    <p:spTree>
+      <p:nvGrpSpPr>
+        <p:cNvPr id="1" name=""/>
+        <p:cNvGrpSpPr/>
+        <p:nvPr/>
+      </p:nvGrpSpPr>
+      <p:grpSpPr>
+        <a:xfrm>
+          <a:off x="0" y="0"/>
+          <a:ext cx="0" cy="0"/>
+          <a:chOff x="0" y="0"/>
+          <a:chExt cx="0" cy="0"/>
+        </a:xfrm>
+      </p:grpSpPr>
+      <p:sp>
+        <p:nvSpPr>
+          <p:cNvPr id="4" name="제목 1"/>
+          <p:cNvSpPr>
+            <a:spLocks noGrp="1"/>
+          </p:cNvSpPr>
+          <p:nvPr>
+            <p:ph type="title"/>
+          </p:nvPr>
+        </p:nvSpPr>
+        <p:spPr>
+          <a:xfrm>
+            <a:off x="179512" y="116632"/>
+            <a:ext cx="3106688" cy="864096"/>
+          </a:xfrm>
+        </p:spPr>
+        <p:txBody>
+          <a:bodyPr>
+            <a:normAutofit fontScale="90000"/>
+          </a:bodyPr>
+          <a:lstStyle/>
+          <a:p>
+            <a:r>
+              <a:rPr lang="en-US" altLang="ko-KR" dirty="0" err="1" smtClean="0"/>
+              <a:t>nodejs</a:t>
+            </a:r>
+            <a:r>
+              <a:rPr lang="en-US" altLang="ko-KR" dirty="0" smtClean="0"/>
+              <a:t> </a:t>
+            </a:r>
+            <a:r>
+              <a:rPr lang="ko-KR" altLang="en-US" dirty="0" smtClean="0"/>
+              <a:t>관련 </a:t>
+            </a:r>
+            <a:endParaRPr lang="ko-KR" altLang="en-US" dirty="0"/>
+          </a:p>
+        </p:txBody>
+      </p:sp>
+      <p:sp>
+        <p:nvSpPr>
+          <p:cNvPr id="5" name="제목 1"/>
+          <p:cNvSpPr txBox="1">
+            <a:spLocks/>
+          </p:cNvSpPr>
+          <p:nvPr/>
+        </p:nvSpPr>
+        <p:spPr>
+          <a:xfrm>
+            <a:off x="-180528" y="908720"/>
+            <a:ext cx="7632848" cy="864096"/>
+          </a:xfrm>
+          <a:prstGeom prst="rect">
+            <a:avLst/>
+          </a:prstGeom>
+        </p:spPr>
+        <p:txBody>
+          <a:bodyPr vert="horz" lIns="91440" tIns="45720" rIns="91440" bIns="45720" rtlCol="0" anchor="ctr">
+            <a:normAutofit fontScale="97500"/>
+          </a:bodyPr>
+          <a:lstStyle>
+            <a:lvl1pPr algn="ctr" defTabSz="914400" rtl="0" eaLnBrk="1" latinLnBrk="1" hangingPunct="1">
+              <a:spcBef>
+                <a:spcPct val="0"/>
+              </a:spcBef>
+              <a:buNone/>
+              <a:defRPr sz="4400" kern="1200">
+                <a:solidFill>
+                  <a:schemeClr val="tx1"/>
+                </a:solidFill>
+                <a:latin typeface="+mj-lt"/>
+                <a:ea typeface="+mj-ea"/>
+                <a:cs typeface="+mj-cs"/>
+              </a:defRPr>
+            </a:lvl1pPr>
+          </a:lstStyle>
+          <a:p>
+            <a:r>
+              <a:rPr lang="ko-KR" altLang="en-US" sz="1800" dirty="0" smtClean="0"/>
+              <a:t>이와 같은 에러 발생시 윈도우 보안 설정을 바꾸어 주어야 한다</a:t>
+            </a:r>
+            <a:endParaRPr lang="ko-KR" altLang="en-US" sz="1800" dirty="0"/>
+          </a:p>
+        </p:txBody>
+      </p:sp>
+      <p:pic>
+        <p:nvPicPr>
+          <p:cNvPr id="1026" name="Picture 2"/>
+          <p:cNvPicPr>
+            <a:picLocks noChangeAspect="1" noChangeArrowheads="1"/>
+          </p:cNvPicPr>
+          <p:nvPr/>
+        </p:nvPicPr>
+        <p:blipFill>
+          <a:blip r:embed="rId2">
+            <a:extLst>
+              <a:ext uri="{28A0092B-C50C-407E-A947-70E740481C1C}">
+                <a14:useLocalDpi xmlns:a14="http://schemas.microsoft.com/office/drawing/2010/main" val="0"/>
+              </a:ext>
+            </a:extLst>
+          </a:blip>
+          <a:srcRect/>
+          <a:stretch>
+            <a:fillRect/>
+          </a:stretch>
+        </p:blipFill>
+        <p:spPr bwMode="auto">
+          <a:xfrm>
+            <a:off x="353144" y="1628800"/>
+            <a:ext cx="7315200" cy="1685925"/>
+          </a:xfrm>
+          <a:prstGeom prst="rect">
+            <a:avLst/>
+          </a:prstGeom>
+          <a:noFill/>
+          <a:ln>
+            <a:noFill/>
+          </a:ln>
+          <a:effectLst/>
+          <a:extLst>
+            <a:ext uri="{909E8E84-426E-40DD-AFC4-6F175D3DCCD1}">
+              <a14:hiddenFill xmlns:a14="http://schemas.microsoft.com/office/drawing/2010/main">
+                <a:solidFill>
+                  <a:schemeClr val="accent1"/>
+                </a:solidFill>
+              </a14:hiddenFill>
+            </a:ext>
+            <a:ext uri="{91240B29-F687-4F45-9708-019B960494DF}">
+              <a14:hiddenLine xmlns:a14="http://schemas.microsoft.com/office/drawing/2010/main" w="9525">
+                <a:solidFill>
+                  <a:schemeClr val="tx1"/>
+                </a:solidFill>
+                <a:miter lim="800000"/>
+                <a:headEnd/>
+                <a:tailEnd/>
+              </a14:hiddenLine>
+            </a:ext>
+            <a:ext uri="{AF507438-7753-43E0-B8FC-AC1667EBCBE1}">
+              <a14:hiddenEffects xmlns:a14="http://schemas.microsoft.com/office/drawing/2010/main">
+                <a:effectLst>
+                  <a:outerShdw dist="35921" dir="2700000" algn="ctr" rotWithShape="0">
+                    <a:schemeClr val="bg2"/>
+                  </a:outerShdw>
+                </a:effectLst>
+              </a14:hiddenEffects>
+            </a:ext>
+          </a:extLst>
+        </p:spPr>
+      </p:pic>
+      <p:sp>
+        <p:nvSpPr>
+          <p:cNvPr id="7" name="제목 1"/>
+          <p:cNvSpPr txBox="1">
+            <a:spLocks/>
+          </p:cNvSpPr>
+          <p:nvPr/>
+        </p:nvSpPr>
+        <p:spPr>
+          <a:xfrm>
+            <a:off x="-180528" y="3429000"/>
+            <a:ext cx="8136904" cy="2376264"/>
+          </a:xfrm>
+          <a:prstGeom prst="rect">
+            <a:avLst/>
+          </a:prstGeom>
+        </p:spPr>
+        <p:txBody>
+          <a:bodyPr vert="horz" lIns="91440" tIns="45720" rIns="91440" bIns="45720" rtlCol="0" anchor="ctr">
+            <a:normAutofit fontScale="97500"/>
+          </a:bodyPr>
+          <a:lstStyle>
+            <a:lvl1pPr algn="ctr" defTabSz="914400" rtl="0" eaLnBrk="1" latinLnBrk="1" hangingPunct="1">
+              <a:spcBef>
+                <a:spcPct val="0"/>
+              </a:spcBef>
+              <a:buNone/>
+              <a:defRPr sz="4400" kern="1200">
+                <a:solidFill>
+                  <a:schemeClr val="tx1"/>
+                </a:solidFill>
+                <a:latin typeface="+mj-lt"/>
+                <a:ea typeface="+mj-ea"/>
+                <a:cs typeface="+mj-cs"/>
+              </a:defRPr>
+            </a:lvl1pPr>
+          </a:lstStyle>
+          <a:p>
+            <a:r>
+              <a:rPr lang="ko-KR" altLang="en-US" sz="1800" dirty="0" smtClean="0"/>
+              <a:t>이와 같은 에러 발생시 윈도우 보안 설정을 바꾸어 주어야 한다</a:t>
+            </a:r>
+            <a:endParaRPr lang="en-US" altLang="ko-KR" sz="1800" dirty="0" smtClean="0"/>
+          </a:p>
+          <a:p>
+            <a:endParaRPr lang="en-US" altLang="ko-KR" sz="1800" dirty="0"/>
+          </a:p>
+          <a:p>
+            <a:r>
+              <a:rPr lang="ko-KR" altLang="en-US" sz="1800" dirty="0" smtClean="0"/>
+              <a:t>윈도우 </a:t>
+            </a:r>
+            <a:r>
+              <a:rPr lang="ko-KR" altLang="en-US" sz="1800" dirty="0" err="1" smtClean="0"/>
+              <a:t>파워셀</a:t>
+            </a:r>
+            <a:r>
+              <a:rPr lang="ko-KR" altLang="en-US" sz="1800" dirty="0" smtClean="0"/>
+              <a:t> </a:t>
+            </a:r>
+            <a:r>
+              <a:rPr lang="ko-KR" altLang="en-US" sz="1800" dirty="0" err="1" smtClean="0"/>
+              <a:t>검색후</a:t>
+            </a:r>
+            <a:r>
+              <a:rPr lang="ko-KR" altLang="en-US" sz="1800" dirty="0" smtClean="0"/>
+              <a:t> 관리자모드 실행</a:t>
+            </a:r>
+            <a:endParaRPr lang="en-US" altLang="ko-KR" sz="1800" dirty="0" smtClean="0"/>
+          </a:p>
+          <a:p>
+            <a:endParaRPr lang="en-US" altLang="ko-KR" sz="1800" dirty="0"/>
+          </a:p>
+          <a:p>
+            <a:r>
+              <a:rPr lang="ko-KR" altLang="en-US" sz="1800" dirty="0" smtClean="0"/>
+              <a:t>명령어 보안상태확인 </a:t>
+            </a:r>
+            <a:r>
+              <a:rPr lang="en-US" altLang="ko-KR" sz="1800" dirty="0" smtClean="0"/>
+              <a:t>: </a:t>
+            </a:r>
+            <a:r>
+              <a:rPr lang="en-US" altLang="ko-KR" sz="1800" dirty="0" err="1" smtClean="0"/>
+              <a:t>executionpolicy</a:t>
+            </a:r>
+            <a:endParaRPr lang="en-US" altLang="ko-KR" sz="1800" dirty="0" smtClean="0"/>
+          </a:p>
+          <a:p>
+            <a:r>
+              <a:rPr lang="ko-KR" altLang="en-US" sz="1800" dirty="0" smtClean="0"/>
+              <a:t>보안상태 변경 </a:t>
+            </a:r>
+            <a:r>
+              <a:rPr lang="en-US" altLang="ko-KR" sz="1800" dirty="0" smtClean="0"/>
+              <a:t>: set-</a:t>
+            </a:r>
+            <a:r>
+              <a:rPr lang="en-US" altLang="ko-KR" sz="1800" dirty="0" err="1" smtClean="0"/>
+              <a:t>executionpolicy</a:t>
+            </a:r>
+            <a:r>
+              <a:rPr lang="en-US" altLang="ko-KR" sz="1800" dirty="0" smtClean="0"/>
+              <a:t> unrestricted</a:t>
+            </a:r>
+            <a:endParaRPr lang="ko-KR" altLang="en-US" sz="1800" dirty="0"/>
+          </a:p>
+        </p:txBody>
+      </p:sp>
+    </p:spTree>
+    <p:extLst>
+      <p:ext uri="{BB962C8B-B14F-4D97-AF65-F5344CB8AC3E}">
+        <p14:creationId xmlns:p14="http://schemas.microsoft.com/office/powerpoint/2010/main" val="117750836"/>
+      </p:ext>
+    </p:extLst>
+  </p:cSld>
+  <p:clrMapOvr>
+    <a:masterClrMapping/>
+  </p:clrMapOvr>
+</p:sld>
+</file>
+
+<file path=ppt/slides/slide24.xml><?xml version="1.0" encoding="utf-8"?>
+<p:sld xmlns:a="http://schemas.openxmlformats.org/drawingml/2006/main" xmlns:r="http://schemas.openxmlformats.org/officeDocument/2006/relationships" xmlns:p="http://schemas.openxmlformats.org/presentationml/2006/main">
+  <p:cSld>
+    <p:spTree>
+      <p:nvGrpSpPr>
+        <p:cNvPr id="1" name=""/>
+        <p:cNvGrpSpPr/>
+        <p:nvPr/>
+      </p:nvGrpSpPr>
+      <p:grpSpPr>
+        <a:xfrm>
+          <a:off x="0" y="0"/>
+          <a:ext cx="0" cy="0"/>
+          <a:chOff x="0" y="0"/>
+          <a:chExt cx="0" cy="0"/>
+        </a:xfrm>
+      </p:grpSpPr>
+      <p:sp>
+        <p:nvSpPr>
+          <p:cNvPr id="4" name="제목 1"/>
+          <p:cNvSpPr>
+            <a:spLocks noGrp="1"/>
+          </p:cNvSpPr>
+          <p:nvPr>
+            <p:ph type="title"/>
+          </p:nvPr>
+        </p:nvSpPr>
+        <p:spPr>
+          <a:xfrm>
+            <a:off x="179512" y="116632"/>
+            <a:ext cx="3106688" cy="864096"/>
+          </a:xfrm>
+        </p:spPr>
+        <p:txBody>
+          <a:bodyPr>
+            <a:normAutofit fontScale="90000"/>
+          </a:bodyPr>
+          <a:lstStyle/>
+          <a:p>
+            <a:r>
+              <a:rPr lang="en-US" altLang="ko-KR" dirty="0" err="1" smtClean="0"/>
+              <a:t>nodejs</a:t>
+            </a:r>
+            <a:r>
+              <a:rPr lang="en-US" altLang="ko-KR" dirty="0" smtClean="0"/>
+              <a:t> </a:t>
+            </a:r>
+            <a:r>
+              <a:rPr lang="ko-KR" altLang="en-US" dirty="0" smtClean="0"/>
+              <a:t>관련 </a:t>
+            </a:r>
+            <a:endParaRPr lang="ko-KR" altLang="en-US" dirty="0"/>
+          </a:p>
+        </p:txBody>
+      </p:sp>
+      <p:sp>
+        <p:nvSpPr>
+          <p:cNvPr id="5" name="제목 1"/>
+          <p:cNvSpPr txBox="1">
+            <a:spLocks/>
+          </p:cNvSpPr>
+          <p:nvPr/>
+        </p:nvSpPr>
+        <p:spPr>
+          <a:xfrm>
+            <a:off x="-180528" y="908720"/>
+            <a:ext cx="7632848" cy="864096"/>
+          </a:xfrm>
+          <a:prstGeom prst="rect">
+            <a:avLst/>
+          </a:prstGeom>
+        </p:spPr>
+        <p:txBody>
+          <a:bodyPr vert="horz" lIns="91440" tIns="45720" rIns="91440" bIns="45720" rtlCol="0" anchor="ctr">
+            <a:normAutofit fontScale="97500"/>
+          </a:bodyPr>
+          <a:lstStyle>
+            <a:lvl1pPr algn="ctr" defTabSz="914400" rtl="0" eaLnBrk="1" latinLnBrk="1" hangingPunct="1">
+              <a:spcBef>
+                <a:spcPct val="0"/>
+              </a:spcBef>
+              <a:buNone/>
+              <a:defRPr sz="4400" kern="1200">
+                <a:solidFill>
+                  <a:schemeClr val="tx1"/>
+                </a:solidFill>
+                <a:latin typeface="+mj-lt"/>
+                <a:ea typeface="+mj-ea"/>
+                <a:cs typeface="+mj-cs"/>
+              </a:defRPr>
+            </a:lvl1pPr>
+          </a:lstStyle>
+          <a:p>
+            <a:r>
+              <a:rPr lang="en-US" altLang="ko-KR" sz="1800" dirty="0" smtClean="0"/>
+              <a:t>Node.js </a:t>
+            </a:r>
+            <a:r>
+              <a:rPr lang="en-US" altLang="ko-KR" sz="1800" dirty="0" err="1" smtClean="0"/>
+              <a:t>mysql</a:t>
+            </a:r>
+            <a:r>
+              <a:rPr lang="en-US" altLang="ko-KR" sz="1800" dirty="0" smtClean="0"/>
+              <a:t> </a:t>
+            </a:r>
+            <a:r>
+              <a:rPr lang="ko-KR" altLang="en-US" sz="1800" dirty="0" err="1" smtClean="0"/>
+              <a:t>연동시</a:t>
+            </a:r>
+            <a:r>
+              <a:rPr lang="ko-KR" altLang="en-US" sz="1800" dirty="0" smtClean="0"/>
+              <a:t> 해당 계정에 대한 명령어 </a:t>
+            </a:r>
+            <a:r>
+              <a:rPr lang="ko-KR" altLang="en-US" sz="1800" smtClean="0"/>
+              <a:t>쳐주고 그래도 안되면</a:t>
+            </a:r>
+            <a:endParaRPr lang="en-US" altLang="ko-KR" sz="1800" dirty="0"/>
+          </a:p>
+          <a:p>
+            <a:r>
+              <a:rPr lang="en-US" altLang="ko-KR" sz="1800" dirty="0" err="1" smtClean="0"/>
+              <a:t>Npm</a:t>
+            </a:r>
+            <a:r>
+              <a:rPr lang="en-US" altLang="ko-KR" sz="1800" dirty="0" smtClean="0"/>
+              <a:t> </a:t>
+            </a:r>
+            <a:r>
+              <a:rPr lang="en-US" altLang="ko-KR" sz="1800" dirty="0" err="1" smtClean="0"/>
+              <a:t>intall</a:t>
+            </a:r>
+            <a:r>
+              <a:rPr lang="en-US" altLang="ko-KR" sz="1800" dirty="0" smtClean="0"/>
+              <a:t> </a:t>
+            </a:r>
+            <a:r>
+              <a:rPr lang="ko-KR" altLang="en-US" sz="1800" dirty="0" smtClean="0"/>
+              <a:t>시 </a:t>
+            </a:r>
+            <a:r>
+              <a:rPr lang="en-US" altLang="ko-KR" sz="1800" dirty="0" smtClean="0"/>
+              <a:t>mysql</a:t>
+            </a:r>
+            <a:r>
+              <a:rPr lang="en-US" altLang="ko-KR" sz="1800" dirty="0" smtClean="0"/>
+              <a:t>2</a:t>
+            </a:r>
+            <a:r>
+              <a:rPr lang="ko-KR" altLang="en-US" sz="1800" dirty="0" smtClean="0"/>
+              <a:t>를 설치해서 연결해주는 것도 방법</a:t>
+            </a:r>
+            <a:r>
+              <a:rPr lang="ko-KR" altLang="en-US" sz="1800" dirty="0" smtClean="0"/>
+              <a:t> </a:t>
+            </a:r>
+            <a:endParaRPr lang="ko-KR" altLang="en-US" sz="1800" dirty="0"/>
+          </a:p>
+        </p:txBody>
+      </p:sp>
+      <p:pic>
+        <p:nvPicPr>
+          <p:cNvPr id="2" name="Picture 2"/>
+          <p:cNvPicPr>
+            <a:picLocks noChangeAspect="1" noChangeArrowheads="1"/>
+          </p:cNvPicPr>
+          <p:nvPr/>
+        </p:nvPicPr>
+        <p:blipFill>
+          <a:blip r:embed="rId2">
+            <a:extLst>
+              <a:ext uri="{28A0092B-C50C-407E-A947-70E740481C1C}">
+                <a14:useLocalDpi xmlns:a14="http://schemas.microsoft.com/office/drawing/2010/main" val="0"/>
+              </a:ext>
+            </a:extLst>
+          </a:blip>
+          <a:srcRect/>
+          <a:stretch>
+            <a:fillRect/>
+          </a:stretch>
+        </p:blipFill>
+        <p:spPr bwMode="auto">
+          <a:xfrm>
+            <a:off x="0" y="1755651"/>
+            <a:ext cx="9182100" cy="3248024"/>
+          </a:xfrm>
+          <a:prstGeom prst="rect">
+            <a:avLst/>
+          </a:prstGeom>
+          <a:noFill/>
+          <a:ln>
+            <a:noFill/>
+          </a:ln>
+          <a:effectLst/>
+          <a:extLst>
+            <a:ext uri="{909E8E84-426E-40DD-AFC4-6F175D3DCCD1}">
+              <a14:hiddenFill xmlns:a14="http://schemas.microsoft.com/office/drawing/2010/main">
+                <a:solidFill>
+                  <a:schemeClr val="accent1"/>
+                </a:solidFill>
+              </a14:hiddenFill>
+            </a:ext>
+            <a:ext uri="{91240B29-F687-4F45-9708-019B960494DF}">
+              <a14:hiddenLine xmlns:a14="http://schemas.microsoft.com/office/drawing/2010/main" w="9525">
+                <a:solidFill>
+                  <a:schemeClr val="tx1"/>
+                </a:solidFill>
+                <a:miter lim="800000"/>
+                <a:headEnd/>
+                <a:tailEnd/>
+              </a14:hiddenLine>
+            </a:ext>
+            <a:ext uri="{AF507438-7753-43E0-B8FC-AC1667EBCBE1}">
+              <a14:hiddenEffects xmlns:a14="http://schemas.microsoft.com/office/drawing/2010/main">
+                <a:effectLst>
+                  <a:outerShdw dist="35921" dir="2700000" algn="ctr" rotWithShape="0">
+                    <a:schemeClr val="bg2"/>
+                  </a:outerShdw>
+                </a:effectLst>
+              </a14:hiddenEffects>
+            </a:ext>
+          </a:extLst>
+        </p:spPr>
+      </p:pic>
+    </p:spTree>
+    <p:extLst>
+      <p:ext uri="{BB962C8B-B14F-4D97-AF65-F5344CB8AC3E}">
+        <p14:creationId xmlns:p14="http://schemas.microsoft.com/office/powerpoint/2010/main" val="1021264421"/>
       </p:ext>
     </p:extLst>
   </p:cSld>
